--- a/Mini project CSE 106.pptx
+++ b/Mini project CSE 106.pptx
@@ -7242,8 +7242,8 @@
         </p:nvSpPr>
         <p:spPr>
           <a:xfrm>
-            <a:off x="939495" y="839924"/>
-            <a:ext cx="2138586" cy="320601"/>
+            <a:off x="939495" y="860805"/>
+            <a:ext cx="1614170" cy="299720"/>
           </a:xfrm>
           <a:prstGeom prst="rect">
             <a:avLst/>
@@ -7264,59 +7264,41 @@
               </a:spcBef>
             </a:pPr>
             <a:r>
-              <a:rPr sz="2000" b="1" dirty="0">
-                <a:solidFill>
-                  <a:schemeClr val="bg1"/>
-                </a:solidFill>
+              <a:rPr sz="1800" b="1" dirty="0">
                 <a:latin typeface="Candara"/>
                 <a:cs typeface="Candara"/>
               </a:rPr>
               <a:t>Directed</a:t>
             </a:r>
             <a:r>
-              <a:rPr sz="2000" b="1" spc="-60" dirty="0">
-                <a:solidFill>
-                  <a:schemeClr val="bg1"/>
-                </a:solidFill>
-                <a:latin typeface="Candara"/>
-                <a:cs typeface="Candara"/>
-              </a:rPr>
-              <a:t> </a:t>
-            </a:r>
-            <a:r>
-              <a:rPr sz="2000" b="1" dirty="0">
-                <a:solidFill>
-                  <a:schemeClr val="bg1"/>
-                </a:solidFill>
+              <a:rPr sz="1800" b="1" spc="-60" dirty="0">
+                <a:latin typeface="Candara"/>
+                <a:cs typeface="Candara"/>
+              </a:rPr>
+              <a:t> </a:t>
+            </a:r>
+            <a:r>
+              <a:rPr sz="1800" b="1" dirty="0">
                 <a:latin typeface="Candara"/>
                 <a:cs typeface="Candara"/>
               </a:rPr>
               <a:t>Graph</a:t>
             </a:r>
             <a:r>
-              <a:rPr sz="2000" b="1" spc="-40" dirty="0">
-                <a:solidFill>
-                  <a:schemeClr val="bg1"/>
-                </a:solidFill>
-                <a:latin typeface="Candara"/>
-                <a:cs typeface="Candara"/>
-              </a:rPr>
-              <a:t> </a:t>
-            </a:r>
-            <a:r>
-              <a:rPr sz="2000" b="1" spc="-50" dirty="0">
-                <a:solidFill>
-                  <a:schemeClr val="bg1"/>
-                </a:solidFill>
+              <a:rPr sz="1800" b="1" spc="-40" dirty="0">
+                <a:latin typeface="Candara"/>
+                <a:cs typeface="Candara"/>
+              </a:rPr>
+              <a:t> </a:t>
+            </a:r>
+            <a:r>
+              <a:rPr sz="1800" b="1" spc="-50" dirty="0">
                 <a:latin typeface="Candara"/>
                 <a:cs typeface="Candara"/>
               </a:rPr>
               <a:t>:</a:t>
             </a:r>
-            <a:endParaRPr sz="2000" dirty="0">
-              <a:solidFill>
-                <a:schemeClr val="bg1"/>
-              </a:solidFill>
+            <a:endParaRPr sz="1800" dirty="0">
               <a:latin typeface="Candara"/>
               <a:cs typeface="Candara"/>
             </a:endParaRPr>
@@ -7331,8 +7313,8 @@
         </p:nvSpPr>
         <p:spPr>
           <a:xfrm>
-            <a:off x="939495" y="1411503"/>
-            <a:ext cx="9250680" cy="320601"/>
+            <a:off x="939495" y="1409446"/>
+            <a:ext cx="7169150" cy="299720"/>
           </a:xfrm>
           <a:prstGeom prst="rect">
             <a:avLst/>
@@ -7353,299 +7335,209 @@
               </a:spcBef>
             </a:pPr>
             <a:r>
-              <a:rPr sz="2000" dirty="0">
-                <a:solidFill>
-                  <a:schemeClr val="bg1"/>
-                </a:solidFill>
+              <a:rPr sz="1800" dirty="0">
                 <a:latin typeface="Candara"/>
                 <a:cs typeface="Candara"/>
               </a:rPr>
               <a:t>A</a:t>
             </a:r>
             <a:r>
-              <a:rPr sz="2000" spc="-15" dirty="0">
-                <a:solidFill>
-                  <a:schemeClr val="bg1"/>
-                </a:solidFill>
-                <a:latin typeface="Candara"/>
-                <a:cs typeface="Candara"/>
-              </a:rPr>
-              <a:t> </a:t>
-            </a:r>
-            <a:r>
-              <a:rPr sz="2000" dirty="0">
-                <a:solidFill>
-                  <a:schemeClr val="bg1"/>
-                </a:solidFill>
+              <a:rPr sz="1800" spc="-15" dirty="0">
+                <a:latin typeface="Candara"/>
+                <a:cs typeface="Candara"/>
+              </a:rPr>
+              <a:t> </a:t>
+            </a:r>
+            <a:r>
+              <a:rPr sz="1800" dirty="0">
                 <a:latin typeface="Candara"/>
                 <a:cs typeface="Candara"/>
               </a:rPr>
               <a:t>directed</a:t>
             </a:r>
             <a:r>
-              <a:rPr sz="2000" spc="-45" dirty="0">
-                <a:solidFill>
-                  <a:schemeClr val="bg1"/>
-                </a:solidFill>
-                <a:latin typeface="Candara"/>
-                <a:cs typeface="Candara"/>
-              </a:rPr>
-              <a:t> </a:t>
-            </a:r>
-            <a:r>
-              <a:rPr sz="2000" dirty="0">
-                <a:solidFill>
-                  <a:schemeClr val="bg1"/>
-                </a:solidFill>
+              <a:rPr sz="1800" spc="-45" dirty="0">
+                <a:latin typeface="Candara"/>
+                <a:cs typeface="Candara"/>
+              </a:rPr>
+              <a:t> </a:t>
+            </a:r>
+            <a:r>
+              <a:rPr sz="1800" dirty="0">
                 <a:latin typeface="Candara"/>
                 <a:cs typeface="Candara"/>
               </a:rPr>
               <a:t>graph is</a:t>
             </a:r>
             <a:r>
-              <a:rPr sz="2000" spc="-30" dirty="0">
-                <a:solidFill>
-                  <a:schemeClr val="bg1"/>
-                </a:solidFill>
-                <a:latin typeface="Candara"/>
-                <a:cs typeface="Candara"/>
-              </a:rPr>
-              <a:t> </a:t>
-            </a:r>
-            <a:r>
-              <a:rPr sz="2000" dirty="0">
-                <a:solidFill>
-                  <a:schemeClr val="bg1"/>
-                </a:solidFill>
+              <a:rPr sz="1800" spc="-30" dirty="0">
+                <a:latin typeface="Candara"/>
+                <a:cs typeface="Candara"/>
+              </a:rPr>
+              <a:t> </a:t>
+            </a:r>
+            <a:r>
+              <a:rPr sz="1800" dirty="0">
                 <a:latin typeface="Candara"/>
                 <a:cs typeface="Candara"/>
               </a:rPr>
               <a:t>defined</a:t>
             </a:r>
             <a:r>
-              <a:rPr sz="2000" spc="-40" dirty="0">
-                <a:solidFill>
-                  <a:schemeClr val="bg1"/>
-                </a:solidFill>
-                <a:latin typeface="Candara"/>
-                <a:cs typeface="Candara"/>
-              </a:rPr>
-              <a:t> </a:t>
-            </a:r>
-            <a:r>
-              <a:rPr sz="2000" dirty="0">
-                <a:solidFill>
-                  <a:schemeClr val="bg1"/>
-                </a:solidFill>
+              <a:rPr sz="1800" spc="-40" dirty="0">
+                <a:latin typeface="Candara"/>
+                <a:cs typeface="Candara"/>
+              </a:rPr>
+              <a:t> </a:t>
+            </a:r>
+            <a:r>
+              <a:rPr sz="1800" dirty="0">
                 <a:latin typeface="Candara"/>
                 <a:cs typeface="Candara"/>
               </a:rPr>
               <a:t>by</a:t>
             </a:r>
             <a:r>
-              <a:rPr sz="2000" spc="-15" dirty="0">
-                <a:solidFill>
-                  <a:schemeClr val="bg1"/>
-                </a:solidFill>
-                <a:latin typeface="Candara"/>
-                <a:cs typeface="Candara"/>
-              </a:rPr>
-              <a:t> </a:t>
-            </a:r>
-            <a:r>
-              <a:rPr sz="2000" dirty="0">
-                <a:solidFill>
-                  <a:schemeClr val="bg1"/>
-                </a:solidFill>
+              <a:rPr sz="1800" spc="-15" dirty="0">
+                <a:latin typeface="Candara"/>
+                <a:cs typeface="Candara"/>
+              </a:rPr>
+              <a:t> </a:t>
+            </a:r>
+            <a:r>
+              <a:rPr sz="1800" dirty="0">
                 <a:latin typeface="Candara"/>
                 <a:cs typeface="Candara"/>
               </a:rPr>
               <a:t>a</a:t>
             </a:r>
             <a:r>
-              <a:rPr sz="2000" spc="-20" dirty="0">
-                <a:solidFill>
-                  <a:schemeClr val="bg1"/>
-                </a:solidFill>
-                <a:latin typeface="Candara"/>
-                <a:cs typeface="Candara"/>
-              </a:rPr>
-              <a:t> </a:t>
-            </a:r>
-            <a:r>
-              <a:rPr sz="2000" dirty="0">
-                <a:solidFill>
-                  <a:schemeClr val="bg1"/>
-                </a:solidFill>
+              <a:rPr sz="1800" spc="-20" dirty="0">
+                <a:latin typeface="Candara"/>
+                <a:cs typeface="Candara"/>
+              </a:rPr>
+              <a:t> </a:t>
+            </a:r>
+            <a:r>
+              <a:rPr sz="1800" dirty="0">
                 <a:latin typeface="Candara"/>
                 <a:cs typeface="Candara"/>
               </a:rPr>
               <a:t>set</a:t>
             </a:r>
             <a:r>
-              <a:rPr sz="2000" spc="-15" dirty="0">
-                <a:solidFill>
-                  <a:schemeClr val="bg1"/>
-                </a:solidFill>
-                <a:latin typeface="Candara"/>
-                <a:cs typeface="Candara"/>
-              </a:rPr>
-              <a:t> </a:t>
-            </a:r>
-            <a:r>
-              <a:rPr sz="2000" dirty="0">
-                <a:solidFill>
-                  <a:schemeClr val="bg1"/>
-                </a:solidFill>
+              <a:rPr sz="1800" spc="-15" dirty="0">
+                <a:latin typeface="Candara"/>
+                <a:cs typeface="Candara"/>
+              </a:rPr>
+              <a:t> </a:t>
+            </a:r>
+            <a:r>
+              <a:rPr sz="1800" dirty="0">
                 <a:latin typeface="Candara"/>
                 <a:cs typeface="Candara"/>
               </a:rPr>
               <a:t>of</a:t>
             </a:r>
             <a:r>
-              <a:rPr sz="2000" spc="-15" dirty="0">
-                <a:solidFill>
-                  <a:schemeClr val="bg1"/>
-                </a:solidFill>
-                <a:latin typeface="Candara"/>
-                <a:cs typeface="Candara"/>
-              </a:rPr>
-              <a:t> </a:t>
-            </a:r>
-            <a:r>
-              <a:rPr sz="2000" dirty="0">
-                <a:solidFill>
-                  <a:schemeClr val="bg1"/>
-                </a:solidFill>
+              <a:rPr sz="1800" spc="-15" dirty="0">
+                <a:latin typeface="Candara"/>
+                <a:cs typeface="Candara"/>
+              </a:rPr>
+              <a:t> </a:t>
+            </a:r>
+            <a:r>
+              <a:rPr sz="1800" dirty="0">
                 <a:latin typeface="Candara"/>
                 <a:cs typeface="Candara"/>
               </a:rPr>
               <a:t>vertices</a:t>
             </a:r>
             <a:r>
-              <a:rPr sz="2000" spc="-35" dirty="0">
-                <a:solidFill>
-                  <a:schemeClr val="bg1"/>
-                </a:solidFill>
-                <a:latin typeface="Candara"/>
-                <a:cs typeface="Candara"/>
-              </a:rPr>
-              <a:t> </a:t>
-            </a:r>
-            <a:r>
-              <a:rPr sz="2000" dirty="0">
-                <a:solidFill>
-                  <a:schemeClr val="bg1"/>
-                </a:solidFill>
+              <a:rPr sz="1800" spc="-35" dirty="0">
+                <a:latin typeface="Candara"/>
+                <a:cs typeface="Candara"/>
+              </a:rPr>
+              <a:t> </a:t>
+            </a:r>
+            <a:r>
+              <a:rPr sz="1800" dirty="0">
                 <a:latin typeface="Candara"/>
                 <a:cs typeface="Candara"/>
               </a:rPr>
               <a:t>and</a:t>
             </a:r>
             <a:r>
-              <a:rPr sz="2000" spc="-15" dirty="0">
-                <a:solidFill>
-                  <a:schemeClr val="bg1"/>
-                </a:solidFill>
-                <a:latin typeface="Candara"/>
-                <a:cs typeface="Candara"/>
-              </a:rPr>
-              <a:t> </a:t>
-            </a:r>
-            <a:r>
-              <a:rPr sz="2000" dirty="0">
-                <a:solidFill>
-                  <a:schemeClr val="bg1"/>
-                </a:solidFill>
+              <a:rPr sz="1800" spc="-15" dirty="0">
+                <a:latin typeface="Candara"/>
+                <a:cs typeface="Candara"/>
+              </a:rPr>
+              <a:t> </a:t>
+            </a:r>
+            <a:r>
+              <a:rPr sz="1800" dirty="0">
                 <a:latin typeface="Candara"/>
                 <a:cs typeface="Candara"/>
               </a:rPr>
               <a:t>a</a:t>
             </a:r>
             <a:r>
-              <a:rPr sz="2000" spc="-15" dirty="0">
-                <a:solidFill>
-                  <a:schemeClr val="bg1"/>
-                </a:solidFill>
-                <a:latin typeface="Candara"/>
-                <a:cs typeface="Candara"/>
-              </a:rPr>
-              <a:t> </a:t>
-            </a:r>
-            <a:r>
-              <a:rPr sz="2000" dirty="0">
-                <a:solidFill>
-                  <a:schemeClr val="bg1"/>
-                </a:solidFill>
+              <a:rPr sz="1800" spc="-15" dirty="0">
+                <a:latin typeface="Candara"/>
+                <a:cs typeface="Candara"/>
+              </a:rPr>
+              <a:t> </a:t>
+            </a:r>
+            <a:r>
+              <a:rPr sz="1800" dirty="0">
                 <a:latin typeface="Candara"/>
                 <a:cs typeface="Candara"/>
               </a:rPr>
               <a:t>set</a:t>
             </a:r>
             <a:r>
-              <a:rPr sz="2000" spc="-15" dirty="0">
-                <a:solidFill>
-                  <a:schemeClr val="bg1"/>
-                </a:solidFill>
-                <a:latin typeface="Candara"/>
-                <a:cs typeface="Candara"/>
-              </a:rPr>
-              <a:t> </a:t>
-            </a:r>
-            <a:r>
-              <a:rPr sz="2000" dirty="0">
-                <a:solidFill>
-                  <a:schemeClr val="bg1"/>
-                </a:solidFill>
+              <a:rPr sz="1800" spc="-15" dirty="0">
+                <a:latin typeface="Candara"/>
+                <a:cs typeface="Candara"/>
+              </a:rPr>
+              <a:t> </a:t>
+            </a:r>
+            <a:r>
+              <a:rPr sz="1800" dirty="0">
                 <a:latin typeface="Candara"/>
                 <a:cs typeface="Candara"/>
               </a:rPr>
               <a:t>of</a:t>
             </a:r>
             <a:r>
-              <a:rPr sz="2000" spc="-20" dirty="0">
-                <a:solidFill>
-                  <a:schemeClr val="bg1"/>
-                </a:solidFill>
-                <a:latin typeface="Candara"/>
-                <a:cs typeface="Candara"/>
-              </a:rPr>
-              <a:t> </a:t>
-            </a:r>
-            <a:r>
-              <a:rPr sz="2000" dirty="0">
-                <a:solidFill>
-                  <a:schemeClr val="bg1"/>
-                </a:solidFill>
+              <a:rPr sz="1800" spc="-20" dirty="0">
+                <a:latin typeface="Candara"/>
+                <a:cs typeface="Candara"/>
+              </a:rPr>
+              <a:t> </a:t>
+            </a:r>
+            <a:r>
+              <a:rPr sz="1800" dirty="0">
                 <a:latin typeface="Candara"/>
                 <a:cs typeface="Candara"/>
               </a:rPr>
               <a:t>directed</a:t>
             </a:r>
             <a:r>
-              <a:rPr sz="2000" spc="-45" dirty="0">
-                <a:solidFill>
-                  <a:schemeClr val="bg1"/>
-                </a:solidFill>
-                <a:latin typeface="Candara"/>
-                <a:cs typeface="Candara"/>
-              </a:rPr>
-              <a:t> </a:t>
-            </a:r>
-            <a:r>
-              <a:rPr sz="2000" spc="-10" dirty="0">
-                <a:solidFill>
-                  <a:schemeClr val="bg1"/>
-                </a:solidFill>
+              <a:rPr sz="1800" spc="-45" dirty="0">
+                <a:latin typeface="Candara"/>
+                <a:cs typeface="Candara"/>
+              </a:rPr>
+              <a:t> </a:t>
+            </a:r>
+            <a:r>
+              <a:rPr sz="1800" spc="-10" dirty="0">
                 <a:latin typeface="Candara"/>
                 <a:cs typeface="Candara"/>
               </a:rPr>
               <a:t>edges.</a:t>
             </a:r>
-            <a:endParaRPr sz="2000" dirty="0">
-              <a:solidFill>
-                <a:schemeClr val="bg1"/>
-              </a:solidFill>
+            <a:endParaRPr sz="1800">
               <a:latin typeface="Candara"/>
               <a:cs typeface="Candara"/>
             </a:endParaRPr>
@@ -7660,7 +7552,7 @@
         </p:nvGrpSpPr>
         <p:grpSpPr>
           <a:xfrm>
-            <a:off x="2521059" y="2768575"/>
+            <a:off x="2034539" y="1879092"/>
             <a:ext cx="5451349" cy="2638044"/>
             <a:chOff x="2034539" y="1879092"/>
             <a:chExt cx="5451349" cy="2638044"/>
@@ -8599,7 +8491,7 @@
         </p:nvSpPr>
         <p:spPr>
           <a:xfrm>
-            <a:off x="3742952" y="3028417"/>
+            <a:off x="3235198" y="2105355"/>
             <a:ext cx="231775" cy="300355"/>
           </a:xfrm>
           <a:prstGeom prst="rect">
@@ -8627,7 +8519,7 @@
               </a:rPr>
               <a:t>V1</a:t>
             </a:r>
-            <a:endParaRPr sz="1800" dirty="0">
+            <a:endParaRPr sz="1800">
               <a:latin typeface="Candara"/>
               <a:cs typeface="Candara"/>
             </a:endParaRPr>
@@ -8642,7 +8534,7 @@
         </p:nvSpPr>
         <p:spPr>
           <a:xfrm>
-            <a:off x="2823191" y="3989807"/>
+            <a:off x="2302255" y="3096259"/>
             <a:ext cx="257810" cy="299720"/>
           </a:xfrm>
           <a:prstGeom prst="rect">
@@ -8670,7 +8562,7 @@
               </a:rPr>
               <a:t>V2</a:t>
             </a:r>
-            <a:endParaRPr sz="1800" dirty="0">
+            <a:endParaRPr sz="1800">
               <a:latin typeface="Candara"/>
               <a:cs typeface="Candara"/>
             </a:endParaRPr>
@@ -8685,7 +8577,7 @@
         </p:nvSpPr>
         <p:spPr>
           <a:xfrm>
-            <a:off x="4334810" y="4942016"/>
+            <a:off x="3836670" y="4091381"/>
             <a:ext cx="262890" cy="300355"/>
           </a:xfrm>
           <a:prstGeom prst="rect">
@@ -8713,7 +8605,7 @@
               </a:rPr>
               <a:t>V3</a:t>
             </a:r>
-            <a:endParaRPr sz="1800" dirty="0">
+            <a:endParaRPr sz="1800">
               <a:latin typeface="Candara"/>
               <a:cs typeface="Candara"/>
             </a:endParaRPr>
@@ -8728,7 +8620,7 @@
         </p:nvSpPr>
         <p:spPr>
           <a:xfrm>
-            <a:off x="6839631" y="4493812"/>
+            <a:off x="6351523" y="3608958"/>
             <a:ext cx="273685" cy="299720"/>
           </a:xfrm>
           <a:prstGeom prst="rect">
@@ -8756,7 +8648,7 @@
               </a:rPr>
               <a:t>V4</a:t>
             </a:r>
-            <a:endParaRPr sz="1800" dirty="0">
+            <a:endParaRPr sz="1800">
               <a:latin typeface="Candara"/>
               <a:cs typeface="Candara"/>
             </a:endParaRPr>
@@ -8771,7 +8663,7 @@
         </p:nvSpPr>
         <p:spPr>
           <a:xfrm>
-            <a:off x="7438473" y="2849259"/>
+            <a:off x="6918452" y="1963928"/>
             <a:ext cx="264160" cy="299720"/>
           </a:xfrm>
           <a:prstGeom prst="rect">
@@ -8799,7 +8691,7 @@
               </a:rPr>
               <a:t>V5</a:t>
             </a:r>
-            <a:endParaRPr sz="1800" dirty="0">
+            <a:endParaRPr sz="1800">
               <a:latin typeface="Candara"/>
               <a:cs typeface="Candara"/>
             </a:endParaRPr>
@@ -8814,7 +8706,7 @@
         </p:nvSpPr>
         <p:spPr>
           <a:xfrm>
-            <a:off x="5004007" y="3748506"/>
+            <a:off x="4535804" y="2897885"/>
             <a:ext cx="278130" cy="299720"/>
           </a:xfrm>
           <a:prstGeom prst="rect">
@@ -8842,7 +8734,7 @@
               </a:rPr>
               <a:t>V6</a:t>
             </a:r>
-            <a:endParaRPr sz="1800" dirty="0">
+            <a:endParaRPr sz="1800">
               <a:latin typeface="Candara"/>
               <a:cs typeface="Candara"/>
             </a:endParaRPr>
@@ -8857,7 +8749,7 @@
         </p:nvSpPr>
         <p:spPr>
           <a:xfrm>
-            <a:off x="2952987" y="3300578"/>
+            <a:off x="2559176" y="2448305"/>
             <a:ext cx="224154" cy="299720"/>
           </a:xfrm>
           <a:prstGeom prst="rect">
@@ -8885,7 +8777,7 @@
               </a:rPr>
               <a:t>E1</a:t>
             </a:r>
-            <a:endParaRPr sz="1800" dirty="0">
+            <a:endParaRPr sz="1800">
               <a:latin typeface="Candara"/>
               <a:cs typeface="Candara"/>
             </a:endParaRPr>
@@ -8900,7 +8792,7 @@
         </p:nvSpPr>
         <p:spPr>
           <a:xfrm>
-            <a:off x="3238736" y="4656811"/>
+            <a:off x="2738120" y="3617214"/>
             <a:ext cx="250190" cy="299720"/>
           </a:xfrm>
           <a:prstGeom prst="rect">
@@ -8928,7 +8820,7 @@
               </a:rPr>
               <a:t>E2</a:t>
             </a:r>
-            <a:endParaRPr sz="1800" dirty="0">
+            <a:endParaRPr sz="1800">
               <a:latin typeface="Candara"/>
               <a:cs typeface="Candara"/>
             </a:endParaRPr>
@@ -8943,7 +8835,7 @@
         </p:nvSpPr>
         <p:spPr>
           <a:xfrm>
-            <a:off x="5676881" y="5146777"/>
+            <a:off x="5249926" y="4072890"/>
             <a:ext cx="255270" cy="299720"/>
           </a:xfrm>
           <a:prstGeom prst="rect">
@@ -8971,7 +8863,7 @@
               </a:rPr>
               <a:t>E3</a:t>
             </a:r>
-            <a:endParaRPr sz="1800" dirty="0">
+            <a:endParaRPr sz="1800">
               <a:latin typeface="Candara"/>
               <a:cs typeface="Candara"/>
             </a:endParaRPr>
@@ -8986,7 +8878,7 @@
         </p:nvSpPr>
         <p:spPr>
           <a:xfrm>
-            <a:off x="7607764" y="3704448"/>
+            <a:off x="7045197" y="2880486"/>
             <a:ext cx="266065" cy="299720"/>
           </a:xfrm>
           <a:prstGeom prst="rect">
@@ -9014,7 +8906,7 @@
               </a:rPr>
               <a:t>E4</a:t>
             </a:r>
-            <a:endParaRPr sz="1800" dirty="0">
+            <a:endParaRPr sz="1800">
               <a:latin typeface="Candara"/>
               <a:cs typeface="Candara"/>
             </a:endParaRPr>
@@ -9029,7 +8921,7 @@
         </p:nvSpPr>
         <p:spPr>
           <a:xfrm>
-            <a:off x="6080759" y="3031277"/>
+            <a:off x="5944615" y="2455290"/>
             <a:ext cx="256540" cy="299720"/>
           </a:xfrm>
           <a:prstGeom prst="rect">
@@ -9057,7 +8949,7 @@
               </a:rPr>
               <a:t>E5</a:t>
             </a:r>
-            <a:endParaRPr sz="1800" dirty="0">
+            <a:endParaRPr sz="1800">
               <a:latin typeface="Candara"/>
               <a:cs typeface="Candara"/>
             </a:endParaRPr>
@@ -9072,7 +8964,7 @@
         </p:nvSpPr>
         <p:spPr>
           <a:xfrm>
-            <a:off x="4651237" y="3075927"/>
+            <a:off x="4133850" y="2366009"/>
             <a:ext cx="270510" cy="299720"/>
           </a:xfrm>
           <a:prstGeom prst="rect">
@@ -9100,7 +8992,7 @@
               </a:rPr>
               <a:t>E6</a:t>
             </a:r>
-            <a:endParaRPr sz="1800" dirty="0">
+            <a:endParaRPr sz="1800">
               <a:latin typeface="Candara"/>
               <a:cs typeface="Candara"/>
             </a:endParaRPr>
